--- a/docs/source/decision_tree/slides/rf_how_it_works.pptx
+++ b/docs/source/decision_tree/slides/rf_how_it_works.pptx
@@ -28,7 +28,6 @@
     <p:sldId id="590" r:id="rId22"/>
     <p:sldId id="591" r:id="rId23"/>
     <p:sldId id="592" r:id="rId24"/>
-    <p:sldId id="605" r:id="rId25"/>
   </p:sldIdLst>
   <p:sldSz cx="12192000" cy="6858000"/>
   <p:notesSz cx="6858000" cy="9144000"/>
@@ -127,6 +126,11 @@
       </a:defRPr>
     </a:lvl9pPr>
   </p:defaultTextStyle>
+  <p:extLst>
+    <p:ext uri="{EFAFB233-063F-42B5-8137-9DF3F51BA10A}">
+      <p15:sldGuideLst xmlns:p15="http://schemas.microsoft.com/office/powerpoint/2012/main"/>
+    </p:ext>
+  </p:extLst>
 </p:presentation>
 </file>
 
@@ -279,7 +283,7 @@
           <a:p>
             <a:fld id="{424456F8-9514-4D01-9444-0FBD36BD88EA}" type="datetimeFigureOut">
               <a:rPr lang="en-NZ" smtClean="0"/>
-              <a:t>4/06/2022</a:t>
+              <a:t>31/05/2025</a:t>
             </a:fld>
             <a:endParaRPr lang="en-NZ"/>
           </a:p>
@@ -479,7 +483,7 @@
           <a:p>
             <a:fld id="{424456F8-9514-4D01-9444-0FBD36BD88EA}" type="datetimeFigureOut">
               <a:rPr lang="en-NZ" smtClean="0"/>
-              <a:t>4/06/2022</a:t>
+              <a:t>31/05/2025</a:t>
             </a:fld>
             <a:endParaRPr lang="en-NZ"/>
           </a:p>
@@ -689,7 +693,7 @@
           <a:p>
             <a:fld id="{424456F8-9514-4D01-9444-0FBD36BD88EA}" type="datetimeFigureOut">
               <a:rPr lang="en-NZ" smtClean="0"/>
-              <a:t>4/06/2022</a:t>
+              <a:t>31/05/2025</a:t>
             </a:fld>
             <a:endParaRPr lang="en-NZ"/>
           </a:p>
@@ -991,7 +995,7 @@
           <a:p>
             <a:fld id="{424456F8-9514-4D01-9444-0FBD36BD88EA}" type="datetimeFigureOut">
               <a:rPr lang="en-NZ" smtClean="0"/>
-              <a:t>4/06/2022</a:t>
+              <a:t>31/05/2025</a:t>
             </a:fld>
             <a:endParaRPr lang="en-NZ"/>
           </a:p>
@@ -1267,7 +1271,7 @@
           <a:p>
             <a:fld id="{424456F8-9514-4D01-9444-0FBD36BD88EA}" type="datetimeFigureOut">
               <a:rPr lang="en-NZ" smtClean="0"/>
-              <a:t>4/06/2022</a:t>
+              <a:t>31/05/2025</a:t>
             </a:fld>
             <a:endParaRPr lang="en-NZ"/>
           </a:p>
@@ -1535,7 +1539,7 @@
           <a:p>
             <a:fld id="{424456F8-9514-4D01-9444-0FBD36BD88EA}" type="datetimeFigureOut">
               <a:rPr lang="en-NZ" smtClean="0"/>
-              <a:t>4/06/2022</a:t>
+              <a:t>31/05/2025</a:t>
             </a:fld>
             <a:endParaRPr lang="en-NZ"/>
           </a:p>
@@ -1950,7 +1954,7 @@
           <a:p>
             <a:fld id="{424456F8-9514-4D01-9444-0FBD36BD88EA}" type="datetimeFigureOut">
               <a:rPr lang="en-NZ" smtClean="0"/>
-              <a:t>4/06/2022</a:t>
+              <a:t>31/05/2025</a:t>
             </a:fld>
             <a:endParaRPr lang="en-NZ"/>
           </a:p>
@@ -2092,7 +2096,7 @@
           <a:p>
             <a:fld id="{424456F8-9514-4D01-9444-0FBD36BD88EA}" type="datetimeFigureOut">
               <a:rPr lang="en-NZ" smtClean="0"/>
-              <a:t>4/06/2022</a:t>
+              <a:t>31/05/2025</a:t>
             </a:fld>
             <a:endParaRPr lang="en-NZ"/>
           </a:p>
@@ -2205,7 +2209,7 @@
           <a:p>
             <a:fld id="{424456F8-9514-4D01-9444-0FBD36BD88EA}" type="datetimeFigureOut">
               <a:rPr lang="en-NZ" smtClean="0"/>
-              <a:t>4/06/2022</a:t>
+              <a:t>31/05/2025</a:t>
             </a:fld>
             <a:endParaRPr lang="en-NZ"/>
           </a:p>
@@ -2518,7 +2522,7 @@
           <a:p>
             <a:fld id="{424456F8-9514-4D01-9444-0FBD36BD88EA}" type="datetimeFigureOut">
               <a:rPr lang="en-NZ" smtClean="0"/>
-              <a:t>4/06/2022</a:t>
+              <a:t>31/05/2025</a:t>
             </a:fld>
             <a:endParaRPr lang="en-NZ"/>
           </a:p>
@@ -2807,7 +2811,7 @@
           <a:p>
             <a:fld id="{424456F8-9514-4D01-9444-0FBD36BD88EA}" type="datetimeFigureOut">
               <a:rPr lang="en-NZ" smtClean="0"/>
-              <a:t>4/06/2022</a:t>
+              <a:t>31/05/2025</a:t>
             </a:fld>
             <a:endParaRPr lang="en-NZ"/>
           </a:p>
@@ -3050,7 +3054,7 @@
           <a:p>
             <a:fld id="{424456F8-9514-4D01-9444-0FBD36BD88EA}" type="datetimeFigureOut">
               <a:rPr lang="en-NZ" smtClean="0"/>
-              <a:t>4/06/2022</a:t>
+              <a:t>31/05/2025</a:t>
             </a:fld>
             <a:endParaRPr lang="en-NZ"/>
           </a:p>
@@ -3530,7 +3534,7 @@
         <p:spPr>
           <a:xfrm>
             <a:off x="2301011" y="3405673"/>
-            <a:ext cx="2111284" cy="523220"/>
+            <a:ext cx="3627468" cy="523220"/>
           </a:xfrm>
           <a:prstGeom prst="rect">
             <a:avLst/>
@@ -3549,7 +3553,7 @@
                   <a:schemeClr val="bg1"/>
                 </a:solidFill>
               </a:rPr>
-              <a:t>how it works</a:t>
+              <a:t>how it works ~ Bagging</a:t>
             </a:r>
           </a:p>
         </p:txBody>
@@ -20447,122 +20451,6 @@
     <p:extLst>
       <p:ext uri="{BB962C8B-B14F-4D97-AF65-F5344CB8AC3E}">
         <p14:creationId xmlns:p14="http://schemas.microsoft.com/office/powerpoint/2010/main" val="2378775127"/>
-      </p:ext>
-    </p:extLst>
-  </p:cSld>
-  <p:clrMapOvr>
-    <a:masterClrMapping/>
-  </p:clrMapOvr>
-</p:sld>
-</file>
-
-<file path=ppt/slides/slide24.xml><?xml version="1.0" encoding="utf-8"?>
-<p:sld xmlns:a="http://schemas.openxmlformats.org/drawingml/2006/main" xmlns:r="http://schemas.openxmlformats.org/officeDocument/2006/relationships" xmlns:p="http://schemas.openxmlformats.org/presentationml/2006/main">
-  <p:cSld>
-    <p:bg>
-      <p:bgPr>
-        <a:solidFill>
-          <a:srgbClr val="0070C0"/>
-        </a:solidFill>
-        <a:effectLst/>
-      </p:bgPr>
-    </p:bg>
-    <p:spTree>
-      <p:nvGrpSpPr>
-        <p:cNvPr id="1" name=""/>
-        <p:cNvGrpSpPr/>
-        <p:nvPr/>
-      </p:nvGrpSpPr>
-      <p:grpSpPr>
-        <a:xfrm>
-          <a:off x="0" y="0"/>
-          <a:ext cx="0" cy="0"/>
-          <a:chOff x="0" y="0"/>
-          <a:chExt cx="0" cy="0"/>
-        </a:xfrm>
-      </p:grpSpPr>
-      <p:sp>
-        <p:nvSpPr>
-          <p:cNvPr id="2" name="TextBox 1">
-            <a:extLst>
-              <a:ext uri="{FF2B5EF4-FFF2-40B4-BE49-F238E27FC236}">
-                <a16:creationId xmlns:a16="http://schemas.microsoft.com/office/drawing/2014/main" id="{802F4F81-6B51-3748-921C-D9D5A616BD5C}"/>
-              </a:ext>
-            </a:extLst>
-          </p:cNvPr>
-          <p:cNvSpPr txBox="1"/>
-          <p:nvPr/>
-        </p:nvSpPr>
-        <p:spPr>
-          <a:xfrm>
-            <a:off x="580446" y="2782669"/>
-            <a:ext cx="2744662" cy="646331"/>
-          </a:xfrm>
-          <a:prstGeom prst="rect">
-            <a:avLst/>
-          </a:prstGeom>
-          <a:noFill/>
-        </p:spPr>
-        <p:txBody>
-          <a:bodyPr wrap="none" rtlCol="0">
-            <a:spAutoFit/>
-          </a:bodyPr>
-          <a:lstStyle/>
-          <a:p>
-            <a:r>
-              <a:rPr lang="en-US" sz="3600" b="1" dirty="0">
-                <a:solidFill>
-                  <a:schemeClr val="bg1"/>
-                </a:solidFill>
-              </a:rPr>
-              <a:t>Decision Tree</a:t>
-            </a:r>
-          </a:p>
-        </p:txBody>
-      </p:sp>
-      <p:sp>
-        <p:nvSpPr>
-          <p:cNvPr id="3" name="TextBox 2">
-            <a:extLst>
-              <a:ext uri="{FF2B5EF4-FFF2-40B4-BE49-F238E27FC236}">
-                <a16:creationId xmlns:a16="http://schemas.microsoft.com/office/drawing/2014/main" id="{8709F11C-5FDB-482F-897E-C5B42061C5DE}"/>
-              </a:ext>
-            </a:extLst>
-          </p:cNvPr>
-          <p:cNvSpPr txBox="1"/>
-          <p:nvPr/>
-        </p:nvSpPr>
-        <p:spPr>
-          <a:xfrm>
-            <a:off x="985395" y="3420572"/>
-            <a:ext cx="5422895" cy="523220"/>
-          </a:xfrm>
-          <a:prstGeom prst="rect">
-            <a:avLst/>
-          </a:prstGeom>
-          <a:noFill/>
-        </p:spPr>
-        <p:txBody>
-          <a:bodyPr wrap="none" rtlCol="0">
-            <a:spAutoFit/>
-          </a:bodyPr>
-          <a:lstStyle/>
-          <a:p>
-            <a:r>
-              <a:rPr lang="en-US" sz="2800" b="1" dirty="0">
-                <a:solidFill>
-                  <a:schemeClr val="bg1"/>
-                </a:solidFill>
-              </a:rPr>
-              <a:t>Random forest: how to evaluate RF</a:t>
-            </a:r>
-          </a:p>
-        </p:txBody>
-      </p:sp>
-    </p:spTree>
-    <p:extLst>
-      <p:ext uri="{BB962C8B-B14F-4D97-AF65-F5344CB8AC3E}">
-        <p14:creationId xmlns:p14="http://schemas.microsoft.com/office/powerpoint/2010/main" val="2511413400"/>
       </p:ext>
     </p:extLst>
   </p:cSld>
@@ -29568,7 +29456,7 @@
                   <a:schemeClr val="bg1"/>
                 </a:solidFill>
               </a:rPr>
-              <a:t>Since the wind speed is chose, so we have 3 remaining predictors can be considered</a:t>
+              <a:t>Since the wind speed is chosen, so we have 3 remaining predictors can be considered</a:t>
             </a:r>
           </a:p>
         </p:txBody>
